--- a/Diplodocus Team.pptx
+++ b/Diplodocus Team.pptx
@@ -7,11 +7,12 @@
   <p:sldIdLst>
     <p:sldId id="256" r:id="rId2"/>
     <p:sldId id="259" r:id="rId3"/>
-    <p:sldId id="258" r:id="rId4"/>
-    <p:sldId id="264" r:id="rId5"/>
-    <p:sldId id="262" r:id="rId6"/>
-    <p:sldId id="263" r:id="rId7"/>
-    <p:sldId id="260" r:id="rId8"/>
+    <p:sldId id="265" r:id="rId4"/>
+    <p:sldId id="258" r:id="rId5"/>
+    <p:sldId id="264" r:id="rId6"/>
+    <p:sldId id="262" r:id="rId7"/>
+    <p:sldId id="263" r:id="rId8"/>
+    <p:sldId id="260" r:id="rId9"/>
   </p:sldIdLst>
   <p:sldSz cx="12192000" cy="6858000"/>
   <p:notesSz cx="6858000" cy="9144000"/>
@@ -265,7 +266,7 @@
           <a:p>
             <a:fld id="{758FCCAE-DEDE-40CE-9962-666D00D50A2D}" type="datetimeFigureOut">
               <a:rPr lang="en-US" smtClean="0"/>
-              <a:t>7/28/2021</a:t>
+              <a:t>7/31/2021</a:t>
             </a:fld>
             <a:endParaRPr lang="en-US"/>
           </a:p>
@@ -463,7 +464,7 @@
           <a:p>
             <a:fld id="{758FCCAE-DEDE-40CE-9962-666D00D50A2D}" type="datetimeFigureOut">
               <a:rPr lang="en-US" smtClean="0"/>
-              <a:t>7/28/2021</a:t>
+              <a:t>7/31/2021</a:t>
             </a:fld>
             <a:endParaRPr lang="en-US"/>
           </a:p>
@@ -671,7 +672,7 @@
           <a:p>
             <a:fld id="{758FCCAE-DEDE-40CE-9962-666D00D50A2D}" type="datetimeFigureOut">
               <a:rPr lang="en-US" smtClean="0"/>
-              <a:t>7/28/2021</a:t>
+              <a:t>7/31/2021</a:t>
             </a:fld>
             <a:endParaRPr lang="en-US"/>
           </a:p>
@@ -869,7 +870,7 @@
           <a:p>
             <a:fld id="{758FCCAE-DEDE-40CE-9962-666D00D50A2D}" type="datetimeFigureOut">
               <a:rPr lang="en-US" smtClean="0"/>
-              <a:t>7/28/2021</a:t>
+              <a:t>7/31/2021</a:t>
             </a:fld>
             <a:endParaRPr lang="en-US"/>
           </a:p>
@@ -1144,7 +1145,7 @@
           <a:p>
             <a:fld id="{758FCCAE-DEDE-40CE-9962-666D00D50A2D}" type="datetimeFigureOut">
               <a:rPr lang="en-US" smtClean="0"/>
-              <a:t>7/28/2021</a:t>
+              <a:t>7/31/2021</a:t>
             </a:fld>
             <a:endParaRPr lang="en-US"/>
           </a:p>
@@ -1409,7 +1410,7 @@
           <a:p>
             <a:fld id="{758FCCAE-DEDE-40CE-9962-666D00D50A2D}" type="datetimeFigureOut">
               <a:rPr lang="en-US" smtClean="0"/>
-              <a:t>7/28/2021</a:t>
+              <a:t>7/31/2021</a:t>
             </a:fld>
             <a:endParaRPr lang="en-US"/>
           </a:p>
@@ -1821,7 +1822,7 @@
           <a:p>
             <a:fld id="{758FCCAE-DEDE-40CE-9962-666D00D50A2D}" type="datetimeFigureOut">
               <a:rPr lang="en-US" smtClean="0"/>
-              <a:t>7/28/2021</a:t>
+              <a:t>7/31/2021</a:t>
             </a:fld>
             <a:endParaRPr lang="en-US"/>
           </a:p>
@@ -1962,7 +1963,7 @@
           <a:p>
             <a:fld id="{758FCCAE-DEDE-40CE-9962-666D00D50A2D}" type="datetimeFigureOut">
               <a:rPr lang="en-US" smtClean="0"/>
-              <a:t>7/28/2021</a:t>
+              <a:t>7/31/2021</a:t>
             </a:fld>
             <a:endParaRPr lang="en-US"/>
           </a:p>
@@ -2075,7 +2076,7 @@
           <a:p>
             <a:fld id="{758FCCAE-DEDE-40CE-9962-666D00D50A2D}" type="datetimeFigureOut">
               <a:rPr lang="en-US" smtClean="0"/>
-              <a:t>7/28/2021</a:t>
+              <a:t>7/31/2021</a:t>
             </a:fld>
             <a:endParaRPr lang="en-US"/>
           </a:p>
@@ -2386,7 +2387,7 @@
           <a:p>
             <a:fld id="{758FCCAE-DEDE-40CE-9962-666D00D50A2D}" type="datetimeFigureOut">
               <a:rPr lang="en-US" smtClean="0"/>
-              <a:t>7/28/2021</a:t>
+              <a:t>7/31/2021</a:t>
             </a:fld>
             <a:endParaRPr lang="en-US"/>
           </a:p>
@@ -2674,7 +2675,7 @@
           <a:p>
             <a:fld id="{758FCCAE-DEDE-40CE-9962-666D00D50A2D}" type="datetimeFigureOut">
               <a:rPr lang="en-US" smtClean="0"/>
-              <a:t>7/28/2021</a:t>
+              <a:t>7/31/2021</a:t>
             </a:fld>
             <a:endParaRPr lang="en-US"/>
           </a:p>
@@ -2915,7 +2916,7 @@
           <a:p>
             <a:fld id="{758FCCAE-DEDE-40CE-9962-666D00D50A2D}" type="datetimeFigureOut">
               <a:rPr lang="en-US" smtClean="0"/>
-              <a:t>7/28/2021</a:t>
+              <a:t>7/31/2021</a:t>
             </a:fld>
             <a:endParaRPr lang="en-US"/>
           </a:p>
@@ -3482,7 +3483,7 @@
         <p:spPr/>
         <p:txBody>
           <a:bodyPr>
-            <a:normAutofit fontScale="92500" lnSpcReduction="10000"/>
+            <a:normAutofit fontScale="92500" lnSpcReduction="20000"/>
           </a:bodyPr>
           <a:lstStyle/>
           <a:p>
@@ -3553,28 +3554,25 @@
             <a:pPr lvl="2"/>
             <a:r>
               <a:rPr lang="en-US" dirty="0"/>
-              <a:t>Csv file: </a:t>
+              <a:t>Csv file: Resources/airbnb_data.csv</a:t>
+            </a:r>
+          </a:p>
+          <a:p>
+            <a:pPr lvl="2"/>
+            <a:r>
+              <a:rPr lang="en-US" dirty="0"/>
+              <a:t>Population: </a:t>
             </a:r>
             <a:r>
               <a:rPr lang="en-US" dirty="0">
                 <a:hlinkClick r:id="rId2"/>
               </a:rPr>
-              <a:t>https://www.kaggle.com/kritikseth/us-airbnb-open-data</a:t>
+              <a:t>http://public.opendatasoft.com/api/records/1.0/search/?dataset=cities-and-towns-of-the-united-states%40public&amp;q={city}&amp;facet=name&amp;facet=state&amp;refine.name={City}&amp;refine.state={state}</a:t>
             </a:r>
             <a:endParaRPr lang="en-US" dirty="0"/>
           </a:p>
           <a:p>
             <a:pPr lvl="2"/>
-            <a:r>
-              <a:rPr lang="en-US" dirty="0"/>
-              <a:t>API: </a:t>
-            </a:r>
-            <a:r>
-              <a:rPr lang="en-US" dirty="0">
-                <a:hlinkClick r:id="rId3"/>
-              </a:rPr>
-              <a:t>https://www.google.com/amp/s/rapidapi.com/blog/airbnb-api-python/amp/</a:t>
-            </a:r>
             <a:endParaRPr lang="en-US" dirty="0"/>
           </a:p>
           <a:p>
@@ -3620,6 +3618,157 @@
           <p:cNvPr id="2" name="Title 1">
             <a:extLst>
               <a:ext uri="{FF2B5EF4-FFF2-40B4-BE49-F238E27FC236}">
+                <a16:creationId xmlns:a16="http://schemas.microsoft.com/office/drawing/2014/main" id="{3B8AB6E0-D6B9-4FDF-A884-95692C93257D}"/>
+              </a:ext>
+            </a:extLst>
+          </p:cNvPr>
+          <p:cNvSpPr>
+            <a:spLocks noGrp="1"/>
+          </p:cNvSpPr>
+          <p:nvPr>
+            <p:ph type="title"/>
+          </p:nvPr>
+        </p:nvSpPr>
+        <p:spPr/>
+        <p:txBody>
+          <a:bodyPr/>
+          <a:lstStyle/>
+          <a:p>
+            <a:r>
+              <a:rPr lang="en-US" dirty="0"/>
+              <a:t>Summary</a:t>
+            </a:r>
+          </a:p>
+        </p:txBody>
+      </p:sp>
+      <p:sp>
+        <p:nvSpPr>
+          <p:cNvPr id="3" name="Content Placeholder 2">
+            <a:extLst>
+              <a:ext uri="{FF2B5EF4-FFF2-40B4-BE49-F238E27FC236}">
+                <a16:creationId xmlns:a16="http://schemas.microsoft.com/office/drawing/2014/main" id="{67FAB5D6-0EFE-49ED-A06C-A46659529716}"/>
+              </a:ext>
+            </a:extLst>
+          </p:cNvPr>
+          <p:cNvSpPr>
+            <a:spLocks noGrp="1"/>
+          </p:cNvSpPr>
+          <p:nvPr>
+            <p:ph idx="1"/>
+          </p:nvPr>
+        </p:nvSpPr>
+        <p:spPr/>
+        <p:txBody>
+          <a:bodyPr/>
+          <a:lstStyle/>
+          <a:p>
+            <a:pPr marL="0" marR="0">
+              <a:lnSpc>
+                <a:spcPct val="107000"/>
+              </a:lnSpc>
+              <a:spcBef>
+                <a:spcPts val="0"/>
+              </a:spcBef>
+              <a:spcAft>
+                <a:spcPts val="800"/>
+              </a:spcAft>
+            </a:pPr>
+            <a:r>
+              <a:rPr lang="en-US" sz="1800" dirty="0">
+                <a:effectLst/>
+                <a:latin typeface="Calibri" panose="020F0502020204030204" pitchFamily="34" charset="0"/>
+                <a:ea typeface="Calibri" panose="020F0502020204030204" pitchFamily="34" charset="0"/>
+                <a:cs typeface="Times New Roman" panose="02020603050405020304" pitchFamily="18" charset="0"/>
+              </a:rPr>
+              <a:t>Since its inception in 2008, Airbnb has disrupted the traditional hospitality industry as more travelers decide to use Airbnb as their primary means of accommodation. Airbnb offers travelers a more unique and personalized way of accommodation and experience.</a:t>
+            </a:r>
+          </a:p>
+          <a:p>
+            <a:pPr marL="0" marR="0">
+              <a:lnSpc>
+                <a:spcPct val="107000"/>
+              </a:lnSpc>
+              <a:spcBef>
+                <a:spcPts val="0"/>
+              </a:spcBef>
+              <a:spcAft>
+                <a:spcPts val="800"/>
+              </a:spcAft>
+            </a:pPr>
+            <a:endParaRPr lang="en-US" sz="1800" dirty="0">
+              <a:effectLst/>
+              <a:latin typeface="Calibri" panose="020F0502020204030204" pitchFamily="34" charset="0"/>
+              <a:ea typeface="Calibri" panose="020F0502020204030204" pitchFamily="34" charset="0"/>
+              <a:cs typeface="Times New Roman" panose="02020603050405020304" pitchFamily="18" charset="0"/>
+            </a:endParaRPr>
+          </a:p>
+          <a:p>
+            <a:pPr marL="0" marR="0">
+              <a:lnSpc>
+                <a:spcPct val="107000"/>
+              </a:lnSpc>
+              <a:spcBef>
+                <a:spcPts val="0"/>
+              </a:spcBef>
+              <a:spcAft>
+                <a:spcPts val="800"/>
+              </a:spcAft>
+            </a:pPr>
+            <a:r>
+              <a:rPr lang="en-US" sz="1800" dirty="0">
+                <a:effectLst/>
+                <a:latin typeface="Calibri" panose="020F0502020204030204" pitchFamily="34" charset="0"/>
+                <a:ea typeface="Calibri" panose="020F0502020204030204" pitchFamily="34" charset="0"/>
+                <a:cs typeface="Times New Roman" panose="02020603050405020304" pitchFamily="18" charset="0"/>
+              </a:rPr>
+              <a:t>This dataset has one file- airbnb_data.csv which has columns describing features such as host id, hostname, listing id, listing name, latitude and longitude of listing, the neighborhood, price, room type, minimum number of nights, number of reviews, last review date, reviews per month, availability, host listings and city.</a:t>
+            </a:r>
+          </a:p>
+          <a:p>
+            <a:endParaRPr lang="en-US" dirty="0">
+              <a:latin typeface="Inter"/>
+            </a:endParaRPr>
+          </a:p>
+          <a:p>
+            <a:endParaRPr lang="en-US" dirty="0"/>
+          </a:p>
+        </p:txBody>
+      </p:sp>
+    </p:spTree>
+    <p:extLst>
+      <p:ext uri="{BB962C8B-B14F-4D97-AF65-F5344CB8AC3E}">
+        <p14:creationId xmlns:p14="http://schemas.microsoft.com/office/powerpoint/2010/main" val="1628321247"/>
+      </p:ext>
+    </p:extLst>
+  </p:cSld>
+  <p:clrMapOvr>
+    <a:masterClrMapping/>
+  </p:clrMapOvr>
+</p:sld>
+</file>
+
+<file path=ppt/slides/slide4.xml><?xml version="1.0" encoding="utf-8"?>
+<p:sld xmlns:a="http://schemas.openxmlformats.org/drawingml/2006/main" xmlns:r="http://schemas.openxmlformats.org/officeDocument/2006/relationships" xmlns:p="http://schemas.openxmlformats.org/presentationml/2006/main">
+  <p:cSld>
+    <p:spTree>
+      <p:nvGrpSpPr>
+        <p:cNvPr id="1" name=""/>
+        <p:cNvGrpSpPr/>
+        <p:nvPr/>
+      </p:nvGrpSpPr>
+      <p:grpSpPr>
+        <a:xfrm>
+          <a:off x="0" y="0"/>
+          <a:ext cx="0" cy="0"/>
+          <a:chOff x="0" y="0"/>
+          <a:chExt cx="0" cy="0"/>
+        </a:xfrm>
+      </p:grpSpPr>
+      <p:sp>
+        <p:nvSpPr>
+          <p:cNvPr id="2" name="Title 1">
+            <a:extLst>
+              <a:ext uri="{FF2B5EF4-FFF2-40B4-BE49-F238E27FC236}">
                 <a16:creationId xmlns:a16="http://schemas.microsoft.com/office/drawing/2014/main" id="{F1EEF30B-1F3C-4C87-986D-D4DBC2FF706E}"/>
               </a:ext>
             </a:extLst>
@@ -4061,7 +4210,7 @@
 </p:sld>
 </file>
 
-<file path=ppt/slides/slide4.xml><?xml version="1.0" encoding="utf-8"?>
+<file path=ppt/slides/slide5.xml><?xml version="1.0" encoding="utf-8"?>
 <p:sld xmlns:a="http://schemas.openxmlformats.org/drawingml/2006/main" xmlns:r="http://schemas.openxmlformats.org/officeDocument/2006/relationships" xmlns:p="http://schemas.openxmlformats.org/presentationml/2006/main">
   <p:cSld>
     <p:spTree>
@@ -4256,7 +4405,7 @@
 </p:sld>
 </file>
 
-<file path=ppt/slides/slide5.xml><?xml version="1.0" encoding="utf-8"?>
+<file path=ppt/slides/slide6.xml><?xml version="1.0" encoding="utf-8"?>
 <p:sld xmlns:a="http://schemas.openxmlformats.org/drawingml/2006/main" xmlns:r="http://schemas.openxmlformats.org/officeDocument/2006/relationships" xmlns:p="http://schemas.openxmlformats.org/presentationml/2006/main">
   <p:cSld>
     <p:spTree>
@@ -5076,7 +5225,7 @@
 </p:sld>
 </file>
 
-<file path=ppt/slides/slide6.xml><?xml version="1.0" encoding="utf-8"?>
+<file path=ppt/slides/slide7.xml><?xml version="1.0" encoding="utf-8"?>
 <p:sld xmlns:a="http://schemas.openxmlformats.org/drawingml/2006/main" xmlns:r="http://schemas.openxmlformats.org/officeDocument/2006/relationships" xmlns:p="http://schemas.openxmlformats.org/presentationml/2006/main">
   <p:cSld>
     <p:spTree>
@@ -5205,7 +5354,7 @@
 </p:sld>
 </file>
 
-<file path=ppt/slides/slide7.xml><?xml version="1.0" encoding="utf-8"?>
+<file path=ppt/slides/slide8.xml><?xml version="1.0" encoding="utf-8"?>
 <p:sld xmlns:a="http://schemas.openxmlformats.org/drawingml/2006/main" xmlns:r="http://schemas.openxmlformats.org/officeDocument/2006/relationships" xmlns:p="http://schemas.openxmlformats.org/presentationml/2006/main">
   <p:cSld>
     <p:spTree>

--- a/Diplodocus Team.pptx
+++ b/Diplodocus Team.pptx
@@ -6,11 +6,11 @@
   </p:sldMasterIdLst>
   <p:sldIdLst>
     <p:sldId id="256" r:id="rId2"/>
-    <p:sldId id="259" r:id="rId3"/>
+    <p:sldId id="265" r:id="rId3"/>
     <p:sldId id="258" r:id="rId4"/>
-    <p:sldId id="264" r:id="rId5"/>
-    <p:sldId id="262" r:id="rId6"/>
-    <p:sldId id="263" r:id="rId7"/>
+    <p:sldId id="259" r:id="rId5"/>
+    <p:sldId id="266" r:id="rId6"/>
+    <p:sldId id="267" r:id="rId7"/>
     <p:sldId id="260" r:id="rId8"/>
   </p:sldIdLst>
   <p:sldSz cx="12192000" cy="6858000"/>
@@ -265,7 +265,7 @@
           <a:p>
             <a:fld id="{758FCCAE-DEDE-40CE-9962-666D00D50A2D}" type="datetimeFigureOut">
               <a:rPr lang="en-US" smtClean="0"/>
-              <a:t>7/28/2021</a:t>
+              <a:t>8/1/2021</a:t>
             </a:fld>
             <a:endParaRPr lang="en-US"/>
           </a:p>
@@ -463,7 +463,7 @@
           <a:p>
             <a:fld id="{758FCCAE-DEDE-40CE-9962-666D00D50A2D}" type="datetimeFigureOut">
               <a:rPr lang="en-US" smtClean="0"/>
-              <a:t>7/28/2021</a:t>
+              <a:t>8/1/2021</a:t>
             </a:fld>
             <a:endParaRPr lang="en-US"/>
           </a:p>
@@ -671,7 +671,7 @@
           <a:p>
             <a:fld id="{758FCCAE-DEDE-40CE-9962-666D00D50A2D}" type="datetimeFigureOut">
               <a:rPr lang="en-US" smtClean="0"/>
-              <a:t>7/28/2021</a:t>
+              <a:t>8/1/2021</a:t>
             </a:fld>
             <a:endParaRPr lang="en-US"/>
           </a:p>
@@ -869,7 +869,7 @@
           <a:p>
             <a:fld id="{758FCCAE-DEDE-40CE-9962-666D00D50A2D}" type="datetimeFigureOut">
               <a:rPr lang="en-US" smtClean="0"/>
-              <a:t>7/28/2021</a:t>
+              <a:t>8/1/2021</a:t>
             </a:fld>
             <a:endParaRPr lang="en-US"/>
           </a:p>
@@ -1144,7 +1144,7 @@
           <a:p>
             <a:fld id="{758FCCAE-DEDE-40CE-9962-666D00D50A2D}" type="datetimeFigureOut">
               <a:rPr lang="en-US" smtClean="0"/>
-              <a:t>7/28/2021</a:t>
+              <a:t>8/1/2021</a:t>
             </a:fld>
             <a:endParaRPr lang="en-US"/>
           </a:p>
@@ -1409,7 +1409,7 @@
           <a:p>
             <a:fld id="{758FCCAE-DEDE-40CE-9962-666D00D50A2D}" type="datetimeFigureOut">
               <a:rPr lang="en-US" smtClean="0"/>
-              <a:t>7/28/2021</a:t>
+              <a:t>8/1/2021</a:t>
             </a:fld>
             <a:endParaRPr lang="en-US"/>
           </a:p>
@@ -1821,7 +1821,7 @@
           <a:p>
             <a:fld id="{758FCCAE-DEDE-40CE-9962-666D00D50A2D}" type="datetimeFigureOut">
               <a:rPr lang="en-US" smtClean="0"/>
-              <a:t>7/28/2021</a:t>
+              <a:t>8/1/2021</a:t>
             </a:fld>
             <a:endParaRPr lang="en-US"/>
           </a:p>
@@ -1962,7 +1962,7 @@
           <a:p>
             <a:fld id="{758FCCAE-DEDE-40CE-9962-666D00D50A2D}" type="datetimeFigureOut">
               <a:rPr lang="en-US" smtClean="0"/>
-              <a:t>7/28/2021</a:t>
+              <a:t>8/1/2021</a:t>
             </a:fld>
             <a:endParaRPr lang="en-US"/>
           </a:p>
@@ -2075,7 +2075,7 @@
           <a:p>
             <a:fld id="{758FCCAE-DEDE-40CE-9962-666D00D50A2D}" type="datetimeFigureOut">
               <a:rPr lang="en-US" smtClean="0"/>
-              <a:t>7/28/2021</a:t>
+              <a:t>8/1/2021</a:t>
             </a:fld>
             <a:endParaRPr lang="en-US"/>
           </a:p>
@@ -2386,7 +2386,7 @@
           <a:p>
             <a:fld id="{758FCCAE-DEDE-40CE-9962-666D00D50A2D}" type="datetimeFigureOut">
               <a:rPr lang="en-US" smtClean="0"/>
-              <a:t>7/28/2021</a:t>
+              <a:t>8/1/2021</a:t>
             </a:fld>
             <a:endParaRPr lang="en-US"/>
           </a:p>
@@ -2674,7 +2674,7 @@
           <a:p>
             <a:fld id="{758FCCAE-DEDE-40CE-9962-666D00D50A2D}" type="datetimeFigureOut">
               <a:rPr lang="en-US" smtClean="0"/>
-              <a:t>7/28/2021</a:t>
+              <a:t>8/1/2021</a:t>
             </a:fld>
             <a:endParaRPr lang="en-US"/>
           </a:p>
@@ -2915,7 +2915,7 @@
           <a:p>
             <a:fld id="{758FCCAE-DEDE-40CE-9962-666D00D50A2D}" type="datetimeFigureOut">
               <a:rPr lang="en-US" smtClean="0"/>
-              <a:t>7/28/2021</a:t>
+              <a:t>8/1/2021</a:t>
             </a:fld>
             <a:endParaRPr lang="en-US"/>
           </a:p>
@@ -3440,7 +3440,7 @@
           <p:cNvPr id="2" name="Title 1">
             <a:extLst>
               <a:ext uri="{FF2B5EF4-FFF2-40B4-BE49-F238E27FC236}">
-                <a16:creationId xmlns:a16="http://schemas.microsoft.com/office/drawing/2014/main" id="{A7F6E3FA-2828-4CD7-9BC0-44EFBB8B8560}"/>
+                <a16:creationId xmlns:a16="http://schemas.microsoft.com/office/drawing/2014/main" id="{9186C161-F6F2-4BF9-9636-F15F34D79836}"/>
               </a:ext>
             </a:extLst>
           </p:cNvPr>
@@ -3468,7 +3468,7 @@
           <p:cNvPr id="3" name="Content Placeholder 2">
             <a:extLst>
               <a:ext uri="{FF2B5EF4-FFF2-40B4-BE49-F238E27FC236}">
-                <a16:creationId xmlns:a16="http://schemas.microsoft.com/office/drawing/2014/main" id="{1910AB40-D834-4EFB-8D69-C04D457459C8}"/>
+                <a16:creationId xmlns:a16="http://schemas.microsoft.com/office/drawing/2014/main" id="{127A7D58-2105-4B5E-A64F-04D5652E5130}"/>
               </a:ext>
             </a:extLst>
           </p:cNvPr>
@@ -3486,99 +3486,91 @@
           </a:bodyPr>
           <a:lstStyle/>
           <a:p>
+            <a:pPr marL="0" marR="0">
+              <a:lnSpc>
+                <a:spcPct val="107000"/>
+              </a:lnSpc>
+              <a:spcBef>
+                <a:spcPts val="0"/>
+              </a:spcBef>
+              <a:spcAft>
+                <a:spcPts val="800"/>
+              </a:spcAft>
+            </a:pPr>
             <a:r>
               <a:rPr lang="en-US" dirty="0"/>
-              <a:t>Analyzing Airbnb listing within the US for 2020</a:t>
-            </a:r>
-          </a:p>
-          <a:p>
-            <a:pPr lvl="1"/>
+              <a:t>Since its inception in 2008, Airbnb has disrupted the traditional hospitality industry as more travelers decide to use Airbnb as their primary means of accommodation. Airbnb offers travelers a more unique and personalized way of accommodation and experience.</a:t>
+            </a:r>
+          </a:p>
+          <a:p>
+            <a:pPr marL="0" marR="0">
+              <a:lnSpc>
+                <a:spcPct val="107000"/>
+              </a:lnSpc>
+              <a:spcBef>
+                <a:spcPts val="0"/>
+              </a:spcBef>
+              <a:spcAft>
+                <a:spcPts val="800"/>
+              </a:spcAft>
+            </a:pPr>
+            <a:endParaRPr lang="en-US" dirty="0"/>
+          </a:p>
+          <a:p>
+            <a:pPr marL="0" marR="0">
+              <a:lnSpc>
+                <a:spcPct val="107000"/>
+              </a:lnSpc>
+              <a:spcBef>
+                <a:spcPts val="0"/>
+              </a:spcBef>
+              <a:spcAft>
+                <a:spcPts val="800"/>
+              </a:spcAft>
+            </a:pPr>
             <a:r>
               <a:rPr lang="en-US" dirty="0"/>
-              <a:t>Number of listing vs. cities</a:t>
-            </a:r>
-          </a:p>
-          <a:p>
-            <a:pPr lvl="1"/>
+              <a:t>This dataset has one file- </a:t>
+            </a:r>
+            <a:r>
+              <a:rPr lang="en-US" b="0" i="0" u="sng" dirty="0">
+                <a:effectLst/>
+                <a:latin typeface="-apple-system"/>
+                <a:hlinkClick r:id="rId2" tooltip="airbnb_data.csv"/>
+              </a:rPr>
+              <a:t>airbnb_data.csv</a:t>
+            </a:r>
+            <a:r>
+              <a:rPr lang="en-US" b="0" i="0" u="sng" dirty="0">
+                <a:effectLst/>
+                <a:latin typeface="-apple-system"/>
+              </a:rPr>
+              <a:t> </a:t>
+            </a:r>
             <a:r>
               <a:rPr lang="en-US" dirty="0"/>
-              <a:t>Price vs. cities</a:t>
-            </a:r>
-          </a:p>
-          <a:p>
-            <a:pPr lvl="1"/>
-            <a:r>
-              <a:rPr lang="en-US" dirty="0"/>
-              <a:t>Availability vs. City</a:t>
-            </a:r>
-          </a:p>
-          <a:p>
-            <a:pPr lvl="1"/>
-            <a:r>
-              <a:rPr lang="en-US" dirty="0"/>
-              <a:t>Average number of reviews</a:t>
-            </a:r>
-          </a:p>
-          <a:p>
-            <a:pPr lvl="1"/>
-            <a:r>
-              <a:rPr lang="en-US" dirty="0"/>
-              <a:t>Average Airbnb price of listings from states</a:t>
-            </a:r>
-          </a:p>
-          <a:p>
-            <a:pPr lvl="1"/>
-            <a:r>
-              <a:rPr lang="en-US" dirty="0"/>
-              <a:t>Average reviews of listings from states</a:t>
-            </a:r>
-          </a:p>
-          <a:p>
-            <a:endParaRPr lang="en-US" dirty="0"/>
-          </a:p>
-          <a:p>
-            <a:r>
-              <a:rPr lang="en-US" dirty="0"/>
-              <a:t>Dataset</a:t>
-            </a:r>
-          </a:p>
-          <a:p>
-            <a:pPr lvl="1"/>
-            <a:r>
-              <a:rPr lang="en-US" dirty="0"/>
-              <a:t>Airbnb</a:t>
-            </a:r>
-          </a:p>
-          <a:p>
-            <a:pPr lvl="2"/>
-            <a:r>
-              <a:rPr lang="en-US" dirty="0"/>
-              <a:t>Csv file: </a:t>
-            </a:r>
-            <a:r>
-              <a:rPr lang="en-US" dirty="0">
-                <a:hlinkClick r:id="rId2"/>
-              </a:rPr>
-              <a:t>https://www.kaggle.com/kritikseth/us-airbnb-open-data</a:t>
-            </a:r>
-            <a:endParaRPr lang="en-US" dirty="0"/>
-          </a:p>
-          <a:p>
-            <a:pPr lvl="2"/>
-            <a:r>
-              <a:rPr lang="en-US" dirty="0"/>
-              <a:t>API: </a:t>
-            </a:r>
-            <a:r>
-              <a:rPr lang="en-US" dirty="0">
-                <a:hlinkClick r:id="rId3"/>
-              </a:rPr>
-              <a:t>https://www.google.com/amp/s/rapidapi.com/blog/airbnb-api-python/amp/</a:t>
-            </a:r>
-            <a:endParaRPr lang="en-US" dirty="0"/>
-          </a:p>
-          <a:p>
-            <a:endParaRPr lang="en-US" dirty="0"/>
+              <a:t>which has columns describing features such as host id, hostname, listing id, listing name, latitude and longitude of listing, the neighborhood, price, room type, minimum number of nights, number of reviews, last review date, reviews per month, availability, host listings and city.</a:t>
+            </a:r>
+          </a:p>
+          <a:p>
+            <a:pPr marL="0" marR="0" indent="0">
+              <a:lnSpc>
+                <a:spcPct val="107000"/>
+              </a:lnSpc>
+              <a:spcBef>
+                <a:spcPts val="0"/>
+              </a:spcBef>
+              <a:spcAft>
+                <a:spcPts val="800"/>
+              </a:spcAft>
+              <a:buNone/>
+            </a:pPr>
+            <a:endParaRPr lang="en-US" sz="1800" dirty="0">
+              <a:effectLst/>
+              <a:latin typeface="Calibri" panose="020F0502020204030204" pitchFamily="34" charset="0"/>
+              <a:ea typeface="Calibri" panose="020F0502020204030204" pitchFamily="34" charset="0"/>
+              <a:cs typeface="Times New Roman" panose="02020603050405020304" pitchFamily="18" charset="0"/>
+            </a:endParaRPr>
           </a:p>
           <a:p>
             <a:endParaRPr lang="en-US" dirty="0"/>
@@ -3588,7 +3580,7 @@
     </p:spTree>
     <p:extLst>
       <p:ext uri="{BB962C8B-B14F-4D97-AF65-F5344CB8AC3E}">
-        <p14:creationId xmlns:p14="http://schemas.microsoft.com/office/powerpoint/2010/main" val="985924712"/>
+        <p14:creationId xmlns:p14="http://schemas.microsoft.com/office/powerpoint/2010/main" val="278367575"/>
       </p:ext>
     </p:extLst>
   </p:cSld>
@@ -3684,204 +3676,6 @@
                 <a:ea typeface="Calibri" panose="020F0502020204030204" pitchFamily="34" charset="0"/>
                 <a:cs typeface="Times New Roman" panose="02020603050405020304" pitchFamily="18" charset="0"/>
               </a:rPr>
-              <a:t>Inspiration</a:t>
-            </a:r>
-            <a:endParaRPr lang="en-US" sz="1100" dirty="0">
-              <a:effectLst/>
-              <a:latin typeface="Calibri" panose="020F0502020204030204" pitchFamily="34" charset="0"/>
-              <a:ea typeface="Calibri" panose="020F0502020204030204" pitchFamily="34" charset="0"/>
-              <a:cs typeface="Times New Roman" panose="02020603050405020304" pitchFamily="18" charset="0"/>
-            </a:endParaRPr>
-          </a:p>
-          <a:p>
-            <a:pPr marL="342900" marR="0" lvl="0" indent="-342900">
-              <a:lnSpc>
-                <a:spcPct val="107000"/>
-              </a:lnSpc>
-              <a:spcBef>
-                <a:spcPts val="0"/>
-              </a:spcBef>
-              <a:spcAft>
-                <a:spcPts val="800"/>
-              </a:spcAft>
-              <a:buSzPts val="1000"/>
-              <a:buFont typeface="Symbol" panose="05050102010706020507" pitchFamily="18" charset="2"/>
-              <a:buChar char=""/>
-              <a:tabLst>
-                <a:tab pos="457200" algn="l"/>
-              </a:tabLst>
-            </a:pPr>
-            <a:r>
-              <a:rPr lang="en-US" sz="1200" dirty="0">
-                <a:effectLst/>
-                <a:latin typeface="Calibri" panose="020F0502020204030204" pitchFamily="34" charset="0"/>
-                <a:ea typeface="Calibri" panose="020F0502020204030204" pitchFamily="34" charset="0"/>
-                <a:cs typeface="Times New Roman" panose="02020603050405020304" pitchFamily="18" charset="0"/>
-              </a:rPr>
-              <a:t>Can we predict the price of each house in different regions?</a:t>
-            </a:r>
-            <a:endParaRPr lang="en-US" sz="1100" dirty="0">
-              <a:effectLst/>
-              <a:latin typeface="Calibri" panose="020F0502020204030204" pitchFamily="34" charset="0"/>
-              <a:ea typeface="Calibri" panose="020F0502020204030204" pitchFamily="34" charset="0"/>
-              <a:cs typeface="Times New Roman" panose="02020603050405020304" pitchFamily="18" charset="0"/>
-            </a:endParaRPr>
-          </a:p>
-          <a:p>
-            <a:pPr marL="342900" marR="0" lvl="0" indent="-342900">
-              <a:lnSpc>
-                <a:spcPct val="107000"/>
-              </a:lnSpc>
-              <a:spcBef>
-                <a:spcPts val="0"/>
-              </a:spcBef>
-              <a:spcAft>
-                <a:spcPts val="800"/>
-              </a:spcAft>
-              <a:buSzPts val="1000"/>
-              <a:buFont typeface="Symbol" panose="05050102010706020507" pitchFamily="18" charset="2"/>
-              <a:buChar char=""/>
-              <a:tabLst>
-                <a:tab pos="457200" algn="l"/>
-              </a:tabLst>
-            </a:pPr>
-            <a:r>
-              <a:rPr lang="en-US" sz="1200" dirty="0">
-                <a:effectLst/>
-                <a:latin typeface="Calibri" panose="020F0502020204030204" pitchFamily="34" charset="0"/>
-                <a:ea typeface="Calibri" panose="020F0502020204030204" pitchFamily="34" charset="0"/>
-                <a:cs typeface="Times New Roman" panose="02020603050405020304" pitchFamily="18" charset="0"/>
-              </a:rPr>
-              <a:t>Can we describe a region using the names of listings in that region?</a:t>
-            </a:r>
-            <a:endParaRPr lang="en-US" sz="1100" dirty="0">
-              <a:effectLst/>
-              <a:latin typeface="Calibri" panose="020F0502020204030204" pitchFamily="34" charset="0"/>
-              <a:ea typeface="Calibri" panose="020F0502020204030204" pitchFamily="34" charset="0"/>
-              <a:cs typeface="Times New Roman" panose="02020603050405020304" pitchFamily="18" charset="0"/>
-            </a:endParaRPr>
-          </a:p>
-          <a:p>
-            <a:pPr marL="342900" marR="0" lvl="0" indent="-342900">
-              <a:lnSpc>
-                <a:spcPct val="107000"/>
-              </a:lnSpc>
-              <a:spcBef>
-                <a:spcPts val="0"/>
-              </a:spcBef>
-              <a:spcAft>
-                <a:spcPts val="800"/>
-              </a:spcAft>
-              <a:buSzPts val="1000"/>
-              <a:buFont typeface="Symbol" panose="05050102010706020507" pitchFamily="18" charset="2"/>
-              <a:buChar char=""/>
-              <a:tabLst>
-                <a:tab pos="457200" algn="l"/>
-              </a:tabLst>
-            </a:pPr>
-            <a:r>
-              <a:rPr lang="en-US" sz="1200" dirty="0">
-                <a:effectLst/>
-                <a:latin typeface="Calibri" panose="020F0502020204030204" pitchFamily="34" charset="0"/>
-                <a:ea typeface="Calibri" panose="020F0502020204030204" pitchFamily="34" charset="0"/>
-                <a:cs typeface="Times New Roman" panose="02020603050405020304" pitchFamily="18" charset="0"/>
-              </a:rPr>
-              <a:t>What can we learn about different regions from the data?</a:t>
-            </a:r>
-            <a:endParaRPr lang="en-US" sz="1100" dirty="0">
-              <a:effectLst/>
-              <a:latin typeface="Calibri" panose="020F0502020204030204" pitchFamily="34" charset="0"/>
-              <a:ea typeface="Calibri" panose="020F0502020204030204" pitchFamily="34" charset="0"/>
-              <a:cs typeface="Times New Roman" panose="02020603050405020304" pitchFamily="18" charset="0"/>
-            </a:endParaRPr>
-          </a:p>
-          <a:p>
-            <a:pPr marL="342900" marR="0" lvl="0" indent="-342900">
-              <a:lnSpc>
-                <a:spcPct val="107000"/>
-              </a:lnSpc>
-              <a:spcBef>
-                <a:spcPts val="0"/>
-              </a:spcBef>
-              <a:spcAft>
-                <a:spcPts val="800"/>
-              </a:spcAft>
-              <a:buSzPts val="1000"/>
-              <a:buFont typeface="Symbol" panose="05050102010706020507" pitchFamily="18" charset="2"/>
-              <a:buChar char=""/>
-              <a:tabLst>
-                <a:tab pos="457200" algn="l"/>
-              </a:tabLst>
-            </a:pPr>
-            <a:r>
-              <a:rPr lang="en-US" sz="1200" dirty="0">
-                <a:effectLst/>
-                <a:latin typeface="Calibri" panose="020F0502020204030204" pitchFamily="34" charset="0"/>
-                <a:ea typeface="Calibri" panose="020F0502020204030204" pitchFamily="34" charset="0"/>
-                <a:cs typeface="Times New Roman" panose="02020603050405020304" pitchFamily="18" charset="0"/>
-              </a:rPr>
-              <a:t>Based on different factors is it possible to recommend a title to the host for his/her listing?</a:t>
-            </a:r>
-            <a:endParaRPr lang="en-US" sz="1100" dirty="0">
-              <a:effectLst/>
-              <a:latin typeface="Calibri" panose="020F0502020204030204" pitchFamily="34" charset="0"/>
-              <a:ea typeface="Calibri" panose="020F0502020204030204" pitchFamily="34" charset="0"/>
-              <a:cs typeface="Times New Roman" panose="02020603050405020304" pitchFamily="18" charset="0"/>
-            </a:endParaRPr>
-          </a:p>
-          <a:p>
-            <a:pPr marL="342900" marR="0" lvl="0" indent="-342900">
-              <a:lnSpc>
-                <a:spcPct val="107000"/>
-              </a:lnSpc>
-              <a:spcBef>
-                <a:spcPts val="0"/>
-              </a:spcBef>
-              <a:spcAft>
-                <a:spcPts val="800"/>
-              </a:spcAft>
-              <a:buSzPts val="1000"/>
-              <a:buFont typeface="Symbol" panose="05050102010706020507" pitchFamily="18" charset="2"/>
-              <a:buChar char=""/>
-              <a:tabLst>
-                <a:tab pos="457200" algn="l"/>
-              </a:tabLst>
-            </a:pPr>
-            <a:r>
-              <a:rPr lang="en-US" sz="1200" dirty="0">
-                <a:effectLst/>
-                <a:latin typeface="Calibri" panose="020F0502020204030204" pitchFamily="34" charset="0"/>
-                <a:ea typeface="Calibri" panose="020F0502020204030204" pitchFamily="34" charset="0"/>
-                <a:cs typeface="Times New Roman" panose="02020603050405020304" pitchFamily="18" charset="0"/>
-              </a:rPr>
-              <a:t>Can we estimate the popularity of a listing based on given features?</a:t>
-            </a:r>
-            <a:endParaRPr lang="en-US" sz="1100" dirty="0">
-              <a:effectLst/>
-              <a:latin typeface="Calibri" panose="020F0502020204030204" pitchFamily="34" charset="0"/>
-              <a:ea typeface="Calibri" panose="020F0502020204030204" pitchFamily="34" charset="0"/>
-              <a:cs typeface="Times New Roman" panose="02020603050405020304" pitchFamily="18" charset="0"/>
-            </a:endParaRPr>
-          </a:p>
-          <a:p>
-            <a:pPr marL="0" marR="0">
-              <a:lnSpc>
-                <a:spcPct val="107000"/>
-              </a:lnSpc>
-              <a:spcBef>
-                <a:spcPts val="0"/>
-              </a:spcBef>
-              <a:spcAft>
-                <a:spcPts val="800"/>
-              </a:spcAft>
-            </a:pPr>
-            <a:r>
-              <a:rPr lang="en-US" sz="2000" dirty="0">
-                <a:effectLst/>
-                <a:latin typeface="Calibri" panose="020F0502020204030204" pitchFamily="34" charset="0"/>
-                <a:ea typeface="Calibri" panose="020F0502020204030204" pitchFamily="34" charset="0"/>
-                <a:cs typeface="Times New Roman" panose="02020603050405020304" pitchFamily="18" charset="0"/>
-              </a:rPr>
               <a:t>What are we trying to solve? Independent/Dependent variables</a:t>
             </a:r>
             <a:endParaRPr lang="en-US" sz="1100" dirty="0">
@@ -3910,7 +3704,7 @@
               </a:tabLst>
             </a:pPr>
             <a:r>
-              <a:rPr lang="en-US" sz="1200" dirty="0">
+              <a:rPr lang="en-US" sz="1800" dirty="0">
                 <a:effectLst/>
                 <a:latin typeface="Calibri" panose="020F0502020204030204" pitchFamily="34" charset="0"/>
                 <a:ea typeface="Calibri" panose="020F0502020204030204" pitchFamily="34" charset="0"/>
@@ -3918,12 +3712,6 @@
               </a:rPr>
               <a:t>What cities offer the most availability?</a:t>
             </a:r>
-            <a:endParaRPr lang="en-US" sz="1100" dirty="0">
-              <a:effectLst/>
-              <a:latin typeface="Calibri" panose="020F0502020204030204" pitchFamily="34" charset="0"/>
-              <a:ea typeface="Calibri" panose="020F0502020204030204" pitchFamily="34" charset="0"/>
-              <a:cs typeface="Times New Roman" panose="02020603050405020304" pitchFamily="18" charset="0"/>
-            </a:endParaRPr>
           </a:p>
           <a:p>
             <a:pPr marL="742950" marR="0" lvl="1" indent="-285750">
@@ -3944,7 +3732,7 @@
               </a:tabLst>
             </a:pPr>
             <a:r>
-              <a:rPr lang="en-US" sz="1200" dirty="0">
+              <a:rPr lang="en-US" sz="1800" dirty="0">
                 <a:effectLst/>
                 <a:latin typeface="Calibri" panose="020F0502020204030204" pitchFamily="34" charset="0"/>
                 <a:ea typeface="Calibri" panose="020F0502020204030204" pitchFamily="34" charset="0"/>
@@ -3952,12 +3740,6 @@
               </a:rPr>
               <a:t>What areas offer the best prices?</a:t>
             </a:r>
-            <a:endParaRPr lang="en-US" sz="1100" dirty="0">
-              <a:effectLst/>
-              <a:latin typeface="Calibri" panose="020F0502020204030204" pitchFamily="34" charset="0"/>
-              <a:ea typeface="Calibri" panose="020F0502020204030204" pitchFamily="34" charset="0"/>
-              <a:cs typeface="Times New Roman" panose="02020603050405020304" pitchFamily="18" charset="0"/>
-            </a:endParaRPr>
           </a:p>
           <a:p>
             <a:pPr marL="742950" marR="0" lvl="1" indent="-285750">
@@ -3978,7 +3760,7 @@
               </a:tabLst>
             </a:pPr>
             <a:r>
-              <a:rPr lang="en-US" sz="1200" dirty="0">
+              <a:rPr lang="en-US" sz="1800" dirty="0">
                 <a:effectLst/>
                 <a:latin typeface="Calibri" panose="020F0502020204030204" pitchFamily="34" charset="0"/>
                 <a:ea typeface="Calibri" panose="020F0502020204030204" pitchFamily="34" charset="0"/>
@@ -3986,12 +3768,6 @@
               </a:rPr>
               <a:t>How does population affect price and availability?</a:t>
             </a:r>
-            <a:endParaRPr lang="en-US" sz="1100" dirty="0">
-              <a:effectLst/>
-              <a:latin typeface="Calibri" panose="020F0502020204030204" pitchFamily="34" charset="0"/>
-              <a:ea typeface="Calibri" panose="020F0502020204030204" pitchFamily="34" charset="0"/>
-              <a:cs typeface="Times New Roman" panose="02020603050405020304" pitchFamily="18" charset="0"/>
-            </a:endParaRPr>
           </a:p>
           <a:p>
             <a:pPr marL="742950" marR="0" lvl="1" indent="-285750">
@@ -4012,7 +3788,7 @@
               </a:tabLst>
             </a:pPr>
             <a:r>
-              <a:rPr lang="en-US" sz="1200">
+              <a:rPr lang="en-US" sz="1800" dirty="0">
                 <a:effectLst/>
                 <a:latin typeface="Calibri" panose="020F0502020204030204" pitchFamily="34" charset="0"/>
                 <a:ea typeface="Calibri" panose="020F0502020204030204" pitchFamily="34" charset="0"/>
@@ -4020,7 +3796,7 @@
               </a:rPr>
               <a:t>What are the most established market for Airbnb based on customer review?</a:t>
             </a:r>
-            <a:endParaRPr lang="en-US" dirty="0"/>
+            <a:endParaRPr lang="en-US" sz="1800" dirty="0"/>
           </a:p>
           <a:p>
             <a:endParaRPr lang="en-US" dirty="0"/>
@@ -4083,7 +3859,7 @@
           <p:cNvPr id="2" name="Title 1">
             <a:extLst>
               <a:ext uri="{FF2B5EF4-FFF2-40B4-BE49-F238E27FC236}">
-                <a16:creationId xmlns:a16="http://schemas.microsoft.com/office/drawing/2014/main" id="{AE27DE0B-149F-47CA-9E91-83DB708BDC49}"/>
+                <a16:creationId xmlns:a16="http://schemas.microsoft.com/office/drawing/2014/main" id="{A7F6E3FA-2828-4CD7-9BC0-44EFBB8B8560}"/>
               </a:ext>
             </a:extLst>
           </p:cNvPr>
@@ -4096,8 +3872,8 @@
         </p:nvSpPr>
         <p:spPr>
           <a:xfrm>
-            <a:off x="838200" y="159489"/>
-            <a:ext cx="10515600" cy="786809"/>
+            <a:off x="838200" y="365126"/>
+            <a:ext cx="10515600" cy="912832"/>
           </a:xfrm>
         </p:spPr>
         <p:txBody>
@@ -4106,7 +3882,7 @@
           <a:p>
             <a:r>
               <a:rPr lang="en-US" dirty="0"/>
-              <a:t>Histogram for price prediction</a:t>
+              <a:t>Project Description</a:t>
             </a:r>
           </a:p>
         </p:txBody>
@@ -4116,30 +3892,142 @@
           <p:cNvPr id="3" name="Content Placeholder 2">
             <a:extLst>
               <a:ext uri="{FF2B5EF4-FFF2-40B4-BE49-F238E27FC236}">
-                <a16:creationId xmlns:a16="http://schemas.microsoft.com/office/drawing/2014/main" id="{C1B47177-4D71-4BB7-839F-ED01F31DC83B}"/>
-              </a:ext>
-            </a:extLst>
-          </p:cNvPr>
-          <p:cNvSpPr>
-            <a:spLocks noGrp="1"/>
-          </p:cNvSpPr>
-          <p:nvPr>
-            <p:ph sz="half" idx="1"/>
+                <a16:creationId xmlns:a16="http://schemas.microsoft.com/office/drawing/2014/main" id="{1910AB40-D834-4EFB-8D69-C04D457459C8}"/>
+              </a:ext>
+            </a:extLst>
+          </p:cNvPr>
+          <p:cNvSpPr>
+            <a:spLocks noGrp="1"/>
+          </p:cNvSpPr>
+          <p:nvPr>
+            <p:ph idx="1"/>
           </p:nvPr>
         </p:nvSpPr>
         <p:spPr>
           <a:xfrm>
-            <a:off x="838200" y="1265274"/>
-            <a:ext cx="5181600" cy="4911689"/>
+            <a:off x="838200" y="1487277"/>
+            <a:ext cx="10515600" cy="4803354"/>
           </a:xfrm>
         </p:spPr>
         <p:txBody>
-          <a:bodyPr/>
+          <a:bodyPr>
+            <a:normAutofit fontScale="92500"/>
+          </a:bodyPr>
           <a:lstStyle/>
           <a:p>
             <a:r>
               <a:rPr lang="en-US" dirty="0"/>
-              <a:t>Before removing outliers</a:t>
+              <a:t>Analyzing Airbnb listing within the US for 2020</a:t>
+            </a:r>
+          </a:p>
+          <a:p>
+            <a:pPr lvl="1"/>
+            <a:r>
+              <a:rPr lang="en-US" dirty="0"/>
+              <a:t>Number of listing vs. cities</a:t>
+            </a:r>
+          </a:p>
+          <a:p>
+            <a:pPr lvl="1"/>
+            <a:r>
+              <a:rPr lang="en-US" dirty="0"/>
+              <a:t>Price vs. cities</a:t>
+            </a:r>
+          </a:p>
+          <a:p>
+            <a:pPr lvl="1"/>
+            <a:r>
+              <a:rPr lang="en-US" dirty="0"/>
+              <a:t>Availability vs. City</a:t>
+            </a:r>
+          </a:p>
+          <a:p>
+            <a:pPr lvl="1"/>
+            <a:r>
+              <a:rPr lang="en-US" dirty="0"/>
+              <a:t>Average number of reviews</a:t>
+            </a:r>
+          </a:p>
+          <a:p>
+            <a:pPr lvl="1"/>
+            <a:r>
+              <a:rPr lang="en-US" dirty="0"/>
+              <a:t>Average Airbnb price of listings from states</a:t>
+            </a:r>
+          </a:p>
+          <a:p>
+            <a:pPr lvl="1"/>
+            <a:r>
+              <a:rPr lang="en-US" dirty="0"/>
+              <a:t>Average reviews of listings from states</a:t>
+            </a:r>
+          </a:p>
+          <a:p>
+            <a:r>
+              <a:rPr lang="en-US" dirty="0"/>
+              <a:t>Dataset</a:t>
+            </a:r>
+          </a:p>
+          <a:p>
+            <a:pPr lvl="1"/>
+            <a:r>
+              <a:rPr lang="en-US" dirty="0"/>
+              <a:t>Csv file: </a:t>
+            </a:r>
+            <a:r>
+              <a:rPr lang="en-US" b="0" i="0" u="sng" dirty="0">
+                <a:effectLst/>
+                <a:latin typeface="-apple-system"/>
+                <a:hlinkClick r:id="rId2" tooltip="airbnb_data.csv"/>
+              </a:rPr>
+              <a:t>airbnb_data.csv</a:t>
+            </a:r>
+            <a:endParaRPr lang="en-US" b="0" i="0" u="sng" dirty="0">
+              <a:effectLst/>
+              <a:latin typeface="-apple-system"/>
+            </a:endParaRPr>
+          </a:p>
+          <a:p>
+            <a:pPr lvl="1"/>
+            <a:r>
+              <a:rPr lang="en-US" altLang="en-US" sz="2400" dirty="0" err="1"/>
+              <a:t>url</a:t>
+            </a:r>
+            <a:r>
+              <a:rPr lang="en-US" altLang="en-US" sz="2400" dirty="0"/>
+              <a:t> = </a:t>
+            </a:r>
+            <a:r>
+              <a:rPr lang="en-US" altLang="en-US" sz="2400" dirty="0" err="1"/>
+              <a:t>f'http</a:t>
+            </a:r>
+            <a:r>
+              <a:rPr lang="en-US" altLang="en-US" sz="2400" dirty="0"/>
+              <a:t>://public.opendatasoft.com/</a:t>
+            </a:r>
+            <a:r>
+              <a:rPr lang="en-US" altLang="en-US" sz="2400" dirty="0" err="1"/>
+              <a:t>api</a:t>
+            </a:r>
+            <a:r>
+              <a:rPr lang="en-US" altLang="en-US" sz="2400" dirty="0"/>
+              <a:t>/records/1.0/search/?dataset=cities-and-towns-of-the-united-states%40public&amp;q={city}&amp;facet=</a:t>
+            </a:r>
+            <a:r>
+              <a:rPr lang="en-US" altLang="en-US" sz="2400" dirty="0" err="1"/>
+              <a:t>name&amp;facet</a:t>
+            </a:r>
+            <a:r>
+              <a:rPr lang="en-US" altLang="en-US" sz="2400" dirty="0"/>
+              <a:t>=state&amp;refine.name={City}&amp;</a:t>
+            </a:r>
+            <a:r>
+              <a:rPr lang="en-US" altLang="en-US" sz="2400" dirty="0" err="1"/>
+              <a:t>refine.state</a:t>
+            </a:r>
+            <a:r>
+              <a:rPr lang="en-US" altLang="en-US" sz="2400" dirty="0"/>
+              <a:t>={state}' </a:t>
             </a:r>
           </a:p>
           <a:p>
@@ -4147,106 +4035,10 @@
           </a:p>
         </p:txBody>
       </p:sp>
-      <p:pic>
-        <p:nvPicPr>
-          <p:cNvPr id="5" name="Content Placeholder 4">
-            <a:extLst>
-              <a:ext uri="{FF2B5EF4-FFF2-40B4-BE49-F238E27FC236}">
-                <a16:creationId xmlns:a16="http://schemas.microsoft.com/office/drawing/2014/main" id="{5871BA42-6BE4-4714-96EF-AF7521C600D9}"/>
-              </a:ext>
-            </a:extLst>
-          </p:cNvPr>
-          <p:cNvPicPr>
-            <a:picLocks noChangeAspect="1"/>
-          </p:cNvPicPr>
-          <p:nvPr/>
-        </p:nvPicPr>
-        <p:blipFill>
-          <a:blip r:embed="rId2"/>
-          <a:stretch>
-            <a:fillRect/>
-          </a:stretch>
-        </p:blipFill>
-        <p:spPr>
-          <a:xfrm>
-            <a:off x="563526" y="2020187"/>
-            <a:ext cx="5532473" cy="4291714"/>
-          </a:xfrm>
-          <a:prstGeom prst="rect">
-            <a:avLst/>
-          </a:prstGeom>
-        </p:spPr>
-      </p:pic>
-      <p:sp>
-        <p:nvSpPr>
-          <p:cNvPr id="8" name="Content Placeholder 7">
-            <a:extLst>
-              <a:ext uri="{FF2B5EF4-FFF2-40B4-BE49-F238E27FC236}">
-                <a16:creationId xmlns:a16="http://schemas.microsoft.com/office/drawing/2014/main" id="{0847CC03-4A54-4824-8E3D-7884E3AD707B}"/>
-              </a:ext>
-            </a:extLst>
-          </p:cNvPr>
-          <p:cNvSpPr>
-            <a:spLocks noGrp="1"/>
-          </p:cNvSpPr>
-          <p:nvPr>
-            <p:ph sz="half" idx="2"/>
-          </p:nvPr>
-        </p:nvSpPr>
-        <p:spPr>
-          <a:xfrm>
-            <a:off x="6172200" y="1265274"/>
-            <a:ext cx="5181600" cy="4911689"/>
-          </a:xfrm>
-        </p:spPr>
-        <p:txBody>
-          <a:bodyPr/>
-          <a:lstStyle/>
-          <a:p>
-            <a:r>
-              <a:rPr lang="en-US" dirty="0"/>
-              <a:t>After removing outliers</a:t>
-            </a:r>
-          </a:p>
-          <a:p>
-            <a:endParaRPr lang="en-US" dirty="0"/>
-          </a:p>
-        </p:txBody>
-      </p:sp>
-      <p:pic>
-        <p:nvPicPr>
-          <p:cNvPr id="9" name="Content Placeholder 5">
-            <a:extLst>
-              <a:ext uri="{FF2B5EF4-FFF2-40B4-BE49-F238E27FC236}">
-                <a16:creationId xmlns:a16="http://schemas.microsoft.com/office/drawing/2014/main" id="{CEDE674A-3F42-4FE6-BB0B-1E2107AF04A0}"/>
-              </a:ext>
-            </a:extLst>
-          </p:cNvPr>
-          <p:cNvPicPr>
-            <a:picLocks noChangeAspect="1"/>
-          </p:cNvPicPr>
-          <p:nvPr/>
-        </p:nvPicPr>
-        <p:blipFill>
-          <a:blip r:embed="rId3"/>
-          <a:stretch>
-            <a:fillRect/>
-          </a:stretch>
-        </p:blipFill>
-        <p:spPr>
-          <a:xfrm>
-            <a:off x="6172200" y="2118167"/>
-            <a:ext cx="5456274" cy="4058795"/>
-          </a:xfrm>
-          <a:prstGeom prst="rect">
-            <a:avLst/>
-          </a:prstGeom>
-        </p:spPr>
-      </p:pic>
     </p:spTree>
     <p:extLst>
       <p:ext uri="{BB962C8B-B14F-4D97-AF65-F5344CB8AC3E}">
-        <p14:creationId xmlns:p14="http://schemas.microsoft.com/office/powerpoint/2010/main" val="3503681232"/>
+        <p14:creationId xmlns:p14="http://schemas.microsoft.com/office/powerpoint/2010/main" val="985924712"/>
       </p:ext>
     </p:extLst>
   </p:cSld>
@@ -4278,7 +4070,7 @@
           <p:cNvPr id="2" name="Title 1">
             <a:extLst>
               <a:ext uri="{FF2B5EF4-FFF2-40B4-BE49-F238E27FC236}">
-                <a16:creationId xmlns:a16="http://schemas.microsoft.com/office/drawing/2014/main" id="{5D2C23B8-3063-4035-A7CA-6538E88FBFDC}"/>
+                <a16:creationId xmlns:a16="http://schemas.microsoft.com/office/drawing/2014/main" id="{C99410B0-69C0-4BAF-AA69-D2A132A7B600}"/>
               </a:ext>
             </a:extLst>
           </p:cNvPr>
@@ -4294,16 +4086,7 @@
           <a:bodyPr/>
           <a:lstStyle/>
           <a:p>
-            <a:r>
-              <a:rPr lang="en-US" dirty="0">
-                <a:solidFill>
-                  <a:srgbClr val="000000"/>
-                </a:solidFill>
-                <a:latin typeface="Inter"/>
-              </a:rPr>
-              <a:t>Outlier removal</a:t>
-            </a:r>
-            <a:endParaRPr lang="en-US" dirty="0"/>
+            <a:endParaRPr lang="en-US"/>
           </a:p>
         </p:txBody>
       </p:sp>
@@ -4312,7 +4095,7 @@
           <p:cNvPr id="3" name="Content Placeholder 2">
             <a:extLst>
               <a:ext uri="{FF2B5EF4-FFF2-40B4-BE49-F238E27FC236}">
-                <a16:creationId xmlns:a16="http://schemas.microsoft.com/office/drawing/2014/main" id="{6DA09AB0-810D-444F-92E9-E8094795BA3A}"/>
+                <a16:creationId xmlns:a16="http://schemas.microsoft.com/office/drawing/2014/main" id="{9D8D76CC-40DC-4892-A40E-C520C5213E58}"/>
               </a:ext>
             </a:extLst>
           </p:cNvPr>
@@ -4328,745 +4111,14 @@
           <a:bodyPr/>
           <a:lstStyle/>
           <a:p>
-            <a:pPr algn="l"/>
-            <a:r>
-              <a:rPr lang="en-US" b="0" i="0" dirty="0">
-                <a:effectLst/>
-                <a:latin typeface="Inter"/>
-              </a:rPr>
-              <a:t>Removing the outliers from the price column. </a:t>
-            </a:r>
-          </a:p>
-          <a:p>
-            <a:pPr algn="l"/>
-            <a:r>
-              <a:rPr lang="en-US" b="0" i="0" dirty="0">
-                <a:effectLst/>
-                <a:latin typeface="Inter"/>
-              </a:rPr>
-              <a:t>As most of the listings have price less than 200 and more than 40 we remove the other listings for better predictions when trying to predict the price per night for the listings.</a:t>
-            </a:r>
-          </a:p>
-          <a:p>
-            <a:pPr algn="l"/>
-            <a:endParaRPr lang="en-US" b="0" i="0" dirty="0">
-              <a:effectLst/>
-              <a:latin typeface="Inter"/>
-            </a:endParaRPr>
-          </a:p>
-          <a:p>
-            <a:endParaRPr lang="en-US" dirty="0"/>
-          </a:p>
-        </p:txBody>
-      </p:sp>
-      <p:pic>
-        <p:nvPicPr>
-          <p:cNvPr id="5" name="Picture 4">
-            <a:extLst>
-              <a:ext uri="{FF2B5EF4-FFF2-40B4-BE49-F238E27FC236}">
-                <a16:creationId xmlns:a16="http://schemas.microsoft.com/office/drawing/2014/main" id="{28496926-4B8D-4AE6-A611-7964F34D3194}"/>
-              </a:ext>
-            </a:extLst>
-          </p:cNvPr>
-          <p:cNvPicPr>
-            <a:picLocks noChangeAspect="1"/>
-          </p:cNvPicPr>
-          <p:nvPr/>
-        </p:nvPicPr>
-        <p:blipFill>
-          <a:blip r:embed="rId2"/>
-          <a:stretch>
-            <a:fillRect/>
-          </a:stretch>
-        </p:blipFill>
-        <p:spPr>
-          <a:xfrm>
-            <a:off x="1115084" y="3689132"/>
-            <a:ext cx="4201111" cy="2874746"/>
-          </a:xfrm>
-          <a:prstGeom prst="rect">
-            <a:avLst/>
-          </a:prstGeom>
-        </p:spPr>
-      </p:pic>
-      <p:sp>
-        <p:nvSpPr>
-          <p:cNvPr id="8" name="Rectangle 1">
-            <a:extLst>
-              <a:ext uri="{FF2B5EF4-FFF2-40B4-BE49-F238E27FC236}">
-                <a16:creationId xmlns:a16="http://schemas.microsoft.com/office/drawing/2014/main" id="{88F9946A-F484-4E20-BC53-83E2E2979376}"/>
-              </a:ext>
-            </a:extLst>
-          </p:cNvPr>
-          <p:cNvSpPr>
-            <a:spLocks noChangeArrowheads="1"/>
-          </p:cNvSpPr>
-          <p:nvPr/>
-        </p:nvSpPr>
-        <p:spPr bwMode="auto">
-          <a:xfrm>
-            <a:off x="5839821" y="4201612"/>
-            <a:ext cx="5773495" cy="281616"/>
-          </a:xfrm>
-          <a:prstGeom prst="rect">
-            <a:avLst/>
-          </a:prstGeom>
-          <a:solidFill>
-            <a:srgbClr val="F7F7F7"/>
-          </a:solidFill>
-          <a:ln>
-            <a:noFill/>
-          </a:ln>
-          <a:effectLst/>
-          <a:extLst>
-            <a:ext uri="{91240B29-F687-4F45-9708-019B960494DF}">
-              <a14:hiddenLine xmlns:a14="http://schemas.microsoft.com/office/drawing/2010/main" w="9525">
-                <a:solidFill>
-                  <a:schemeClr val="tx1"/>
-                </a:solidFill>
-                <a:miter lim="800000"/>
-                <a:headEnd/>
-                <a:tailEnd/>
-              </a14:hiddenLine>
-            </a:ext>
-            <a:ext uri="{AF507438-7753-43E0-B8FC-AC1667EBCBE1}">
-              <a14:hiddenEffects xmlns:a14="http://schemas.microsoft.com/office/drawing/2010/main">
-                <a:effectLst>
-                  <a:outerShdw dist="35921" dir="2700000" algn="ctr" rotWithShape="0">
-                    <a:schemeClr val="bg2"/>
-                  </a:outerShdw>
-                </a:effectLst>
-              </a14:hiddenEffects>
-            </a:ext>
-          </a:extLst>
-        </p:spPr>
-        <p:txBody>
-          <a:bodyPr vert="horz" wrap="square" lIns="0" tIns="0" rIns="0" bIns="0" numCol="1" anchor="ctr" anchorCtr="0" compatLnSpc="1">
-            <a:prstTxWarp prst="textNoShape">
-              <a:avLst/>
-            </a:prstTxWarp>
-            <a:spAutoFit/>
-          </a:bodyPr>
-          <a:lstStyle>
-            <a:lvl1pPr eaLnBrk="0" fontAlgn="base" hangingPunct="0">
-              <a:spcBef>
-                <a:spcPct val="30000"/>
-              </a:spcBef>
-              <a:spcAft>
-                <a:spcPct val="0"/>
-              </a:spcAft>
-              <a:defRPr sz="1200">
-                <a:solidFill>
-                  <a:schemeClr val="tx1"/>
-                </a:solidFill>
-                <a:latin typeface="Arial" panose="020B0604020202020204" pitchFamily="34" charset="0"/>
-              </a:defRPr>
-            </a:lvl1pPr>
-            <a:lvl2pPr eaLnBrk="0" fontAlgn="base" hangingPunct="0">
-              <a:spcBef>
-                <a:spcPct val="30000"/>
-              </a:spcBef>
-              <a:spcAft>
-                <a:spcPct val="0"/>
-              </a:spcAft>
-              <a:defRPr sz="1200">
-                <a:solidFill>
-                  <a:schemeClr val="tx1"/>
-                </a:solidFill>
-                <a:latin typeface="Arial" panose="020B0604020202020204" pitchFamily="34" charset="0"/>
-              </a:defRPr>
-            </a:lvl2pPr>
-            <a:lvl3pPr eaLnBrk="0" fontAlgn="base" hangingPunct="0">
-              <a:spcBef>
-                <a:spcPct val="30000"/>
-              </a:spcBef>
-              <a:spcAft>
-                <a:spcPct val="0"/>
-              </a:spcAft>
-              <a:defRPr sz="1200">
-                <a:solidFill>
-                  <a:schemeClr val="tx1"/>
-                </a:solidFill>
-                <a:latin typeface="Arial" panose="020B0604020202020204" pitchFamily="34" charset="0"/>
-              </a:defRPr>
-            </a:lvl3pPr>
-            <a:lvl4pPr eaLnBrk="0" fontAlgn="base" hangingPunct="0">
-              <a:spcBef>
-                <a:spcPct val="30000"/>
-              </a:spcBef>
-              <a:spcAft>
-                <a:spcPct val="0"/>
-              </a:spcAft>
-              <a:defRPr sz="1200">
-                <a:solidFill>
-                  <a:schemeClr val="tx1"/>
-                </a:solidFill>
-                <a:latin typeface="Arial" panose="020B0604020202020204" pitchFamily="34" charset="0"/>
-              </a:defRPr>
-            </a:lvl4pPr>
-            <a:lvl5pPr eaLnBrk="0" fontAlgn="base" hangingPunct="0">
-              <a:spcBef>
-                <a:spcPct val="30000"/>
-              </a:spcBef>
-              <a:spcAft>
-                <a:spcPct val="0"/>
-              </a:spcAft>
-              <a:defRPr sz="1200">
-                <a:solidFill>
-                  <a:schemeClr val="tx1"/>
-                </a:solidFill>
-                <a:latin typeface="Arial" panose="020B0604020202020204" pitchFamily="34" charset="0"/>
-              </a:defRPr>
-            </a:lvl5pPr>
-            <a:lvl6pPr eaLnBrk="0" fontAlgn="base" hangingPunct="0">
-              <a:spcBef>
-                <a:spcPct val="30000"/>
-              </a:spcBef>
-              <a:spcAft>
-                <a:spcPct val="0"/>
-              </a:spcAft>
-              <a:defRPr sz="1200">
-                <a:solidFill>
-                  <a:schemeClr val="tx1"/>
-                </a:solidFill>
-                <a:latin typeface="Arial" panose="020B0604020202020204" pitchFamily="34" charset="0"/>
-              </a:defRPr>
-            </a:lvl6pPr>
-            <a:lvl7pPr eaLnBrk="0" fontAlgn="base" hangingPunct="0">
-              <a:spcBef>
-                <a:spcPct val="30000"/>
-              </a:spcBef>
-              <a:spcAft>
-                <a:spcPct val="0"/>
-              </a:spcAft>
-              <a:defRPr sz="1200">
-                <a:solidFill>
-                  <a:schemeClr val="tx1"/>
-                </a:solidFill>
-                <a:latin typeface="Arial" panose="020B0604020202020204" pitchFamily="34" charset="0"/>
-              </a:defRPr>
-            </a:lvl7pPr>
-            <a:lvl8pPr eaLnBrk="0" fontAlgn="base" hangingPunct="0">
-              <a:spcBef>
-                <a:spcPct val="30000"/>
-              </a:spcBef>
-              <a:spcAft>
-                <a:spcPct val="0"/>
-              </a:spcAft>
-              <a:defRPr sz="1200">
-                <a:solidFill>
-                  <a:schemeClr val="tx1"/>
-                </a:solidFill>
-                <a:latin typeface="Arial" panose="020B0604020202020204" pitchFamily="34" charset="0"/>
-              </a:defRPr>
-            </a:lvl8pPr>
-            <a:lvl9pPr eaLnBrk="0" fontAlgn="base" hangingPunct="0">
-              <a:spcBef>
-                <a:spcPct val="30000"/>
-              </a:spcBef>
-              <a:spcAft>
-                <a:spcPct val="0"/>
-              </a:spcAft>
-              <a:defRPr sz="1200">
-                <a:solidFill>
-                  <a:schemeClr val="tx1"/>
-                </a:solidFill>
-                <a:latin typeface="Arial" panose="020B0604020202020204" pitchFamily="34" charset="0"/>
-              </a:defRPr>
-            </a:lvl9pPr>
-          </a:lstStyle>
-          <a:p>
-            <a:pPr marL="0" marR="0" lvl="0" indent="0" algn="l" defTabSz="914400" rtl="0" eaLnBrk="0" fontAlgn="base" latinLnBrk="0" hangingPunct="0">
-              <a:lnSpc>
-                <a:spcPct val="100000"/>
-              </a:lnSpc>
-              <a:spcBef>
-                <a:spcPct val="0"/>
-              </a:spcBef>
-              <a:spcAft>
-                <a:spcPct val="0"/>
-              </a:spcAft>
-              <a:buClrTx/>
-              <a:buSzTx/>
-              <a:buFontTx/>
-              <a:buNone/>
-              <a:tabLst/>
-            </a:pPr>
-            <a:r>
-              <a:rPr kumimoji="0" lang="en-US" altLang="en-US" sz="1200" b="0" i="0" u="none" strike="noStrike" cap="none" normalizeH="0" baseline="0" dirty="0" err="1">
-                <a:ln>
-                  <a:noFill/>
-                </a:ln>
-                <a:solidFill>
-                  <a:schemeClr val="tx1"/>
-                </a:solidFill>
-                <a:effectLst/>
-                <a:latin typeface="Arial" panose="020B0604020202020204" pitchFamily="34" charset="0"/>
-              </a:rPr>
-              <a:t>sns</a:t>
-            </a:r>
-            <a:r>
-              <a:rPr kumimoji="0" lang="en-US" altLang="en-US" sz="1800" b="0" i="0" u="none" strike="noStrike" cap="none" normalizeH="0" baseline="0" dirty="0" err="1">
-                <a:ln>
-                  <a:noFill/>
-                </a:ln>
-                <a:solidFill>
-                  <a:srgbClr val="055BE0"/>
-                </a:solidFill>
-                <a:effectLst/>
-                <a:latin typeface="Arial" panose="020B0604020202020204" pitchFamily="34" charset="0"/>
-              </a:rPr>
-              <a:t>.</a:t>
-            </a:r>
-            <a:r>
-              <a:rPr kumimoji="0" lang="en-US" altLang="en-US" sz="1200" b="0" i="0" u="none" strike="noStrike" cap="none" normalizeH="0" baseline="0" dirty="0" err="1">
-                <a:ln>
-                  <a:noFill/>
-                </a:ln>
-                <a:solidFill>
-                  <a:schemeClr val="tx1"/>
-                </a:solidFill>
-                <a:effectLst/>
-                <a:latin typeface="Arial" panose="020B0604020202020204" pitchFamily="34" charset="0"/>
-              </a:rPr>
-              <a:t>distplot</a:t>
-            </a:r>
-            <a:r>
-              <a:rPr kumimoji="0" lang="en-US" altLang="en-US" sz="1000" b="0" i="0" u="none" strike="noStrike" cap="none" normalizeH="0" baseline="0" dirty="0">
-                <a:ln>
-                  <a:noFill/>
-                </a:ln>
-                <a:solidFill>
-                  <a:schemeClr val="tx1"/>
-                </a:solidFill>
-                <a:effectLst/>
-                <a:latin typeface="Roboto Mono"/>
-              </a:rPr>
-              <a:t>(</a:t>
-            </a:r>
-            <a:r>
-              <a:rPr kumimoji="0" lang="en-US" altLang="en-US" sz="1200" b="0" i="0" u="none" strike="noStrike" cap="none" normalizeH="0" baseline="0" dirty="0">
-                <a:ln>
-                  <a:noFill/>
-                </a:ln>
-                <a:solidFill>
-                  <a:schemeClr val="tx1"/>
-                </a:solidFill>
-                <a:effectLst/>
-                <a:latin typeface="Arial" panose="020B0604020202020204" pitchFamily="34" charset="0"/>
-              </a:rPr>
-              <a:t>df</a:t>
-            </a:r>
-            <a:r>
-              <a:rPr kumimoji="0" lang="en-US" altLang="en-US" sz="1000" b="0" i="0" u="none" strike="noStrike" cap="none" normalizeH="0" baseline="0" dirty="0">
-                <a:ln>
-                  <a:noFill/>
-                </a:ln>
-                <a:solidFill>
-                  <a:schemeClr val="tx1"/>
-                </a:solidFill>
-                <a:effectLst/>
-                <a:latin typeface="Roboto Mono"/>
-              </a:rPr>
-              <a:t>[(</a:t>
-            </a:r>
-            <a:r>
-              <a:rPr kumimoji="0" lang="en-US" altLang="en-US" sz="1200" b="0" i="0" u="none" strike="noStrike" cap="none" normalizeH="0" baseline="0" dirty="0">
-                <a:ln>
-                  <a:noFill/>
-                </a:ln>
-                <a:solidFill>
-                  <a:schemeClr val="tx1"/>
-                </a:solidFill>
-                <a:effectLst/>
-                <a:latin typeface="Arial" panose="020B0604020202020204" pitchFamily="34" charset="0"/>
-              </a:rPr>
-              <a:t>df</a:t>
-            </a:r>
-            <a:r>
-              <a:rPr kumimoji="0" lang="en-US" altLang="en-US" sz="1000" b="0" i="0" u="none" strike="noStrike" cap="none" normalizeH="0" baseline="0" dirty="0">
-                <a:ln>
-                  <a:noFill/>
-                </a:ln>
-                <a:solidFill>
-                  <a:schemeClr val="tx1"/>
-                </a:solidFill>
-                <a:effectLst/>
-                <a:latin typeface="Roboto Mono"/>
-              </a:rPr>
-              <a:t>[</a:t>
-            </a:r>
-            <a:r>
-              <a:rPr kumimoji="0" lang="en-US" altLang="en-US" sz="1000" b="0" i="0" u="none" strike="noStrike" cap="none" normalizeH="0" baseline="0" dirty="0">
-                <a:ln>
-                  <a:noFill/>
-                </a:ln>
-                <a:solidFill>
-                  <a:srgbClr val="BB2323"/>
-                </a:solidFill>
-                <a:effectLst/>
-                <a:latin typeface="Roboto Mono"/>
-              </a:rPr>
-              <a:t>'price'</a:t>
-            </a:r>
-            <a:r>
-              <a:rPr kumimoji="0" lang="en-US" altLang="en-US" sz="1000" b="0" i="0" u="none" strike="noStrike" cap="none" normalizeH="0" baseline="0" dirty="0">
-                <a:ln>
-                  <a:noFill/>
-                </a:ln>
-                <a:solidFill>
-                  <a:schemeClr val="tx1"/>
-                </a:solidFill>
-                <a:effectLst/>
-                <a:latin typeface="Roboto Mono"/>
-              </a:rPr>
-              <a:t>]</a:t>
-            </a:r>
-            <a:r>
-              <a:rPr kumimoji="0" lang="en-US" altLang="en-US" sz="1800" b="0" i="0" u="none" strike="noStrike" cap="none" normalizeH="0" baseline="0" dirty="0">
-                <a:ln>
-                  <a:noFill/>
-                </a:ln>
-                <a:solidFill>
-                  <a:srgbClr val="055BE0"/>
-                </a:solidFill>
-                <a:effectLst/>
-                <a:latin typeface="Arial" panose="020B0604020202020204" pitchFamily="34" charset="0"/>
-              </a:rPr>
-              <a:t>&lt;</a:t>
-            </a:r>
-            <a:r>
-              <a:rPr kumimoji="0" lang="en-US" altLang="en-US" sz="1000" b="0" i="0" u="none" strike="noStrike" cap="none" normalizeH="0" baseline="0" dirty="0">
-                <a:ln>
-                  <a:noFill/>
-                </a:ln>
-                <a:solidFill>
-                  <a:srgbClr val="666666"/>
-                </a:solidFill>
-                <a:effectLst/>
-                <a:latin typeface="Roboto Mono"/>
-              </a:rPr>
-              <a:t>180</a:t>
-            </a:r>
-            <a:r>
-              <a:rPr kumimoji="0" lang="en-US" altLang="en-US" sz="1000" b="0" i="0" u="none" strike="noStrike" cap="none" normalizeH="0" baseline="0" dirty="0">
-                <a:ln>
-                  <a:noFill/>
-                </a:ln>
-                <a:solidFill>
-                  <a:schemeClr val="tx1"/>
-                </a:solidFill>
-                <a:effectLst/>
-                <a:latin typeface="Roboto Mono"/>
-              </a:rPr>
-              <a:t>) </a:t>
-            </a:r>
-            <a:r>
-              <a:rPr kumimoji="0" lang="en-US" altLang="en-US" sz="1800" b="0" i="0" u="none" strike="noStrike" cap="none" normalizeH="0" baseline="0" dirty="0">
-                <a:ln>
-                  <a:noFill/>
-                </a:ln>
-                <a:solidFill>
-                  <a:srgbClr val="055BE0"/>
-                </a:solidFill>
-                <a:effectLst/>
-                <a:latin typeface="Arial" panose="020B0604020202020204" pitchFamily="34" charset="0"/>
-              </a:rPr>
-              <a:t>&amp;</a:t>
-            </a:r>
-            <a:r>
-              <a:rPr kumimoji="0" lang="en-US" altLang="en-US" sz="1000" b="0" i="0" u="none" strike="noStrike" cap="none" normalizeH="0" baseline="0" dirty="0">
-                <a:ln>
-                  <a:noFill/>
-                </a:ln>
-                <a:solidFill>
-                  <a:schemeClr val="tx1"/>
-                </a:solidFill>
-                <a:effectLst/>
-                <a:latin typeface="Roboto Mono"/>
-              </a:rPr>
-              <a:t> (</a:t>
-            </a:r>
-            <a:r>
-              <a:rPr kumimoji="0" lang="en-US" altLang="en-US" sz="1200" b="0" i="0" u="none" strike="noStrike" cap="none" normalizeH="0" baseline="0" dirty="0">
-                <a:ln>
-                  <a:noFill/>
-                </a:ln>
-                <a:solidFill>
-                  <a:schemeClr val="tx1"/>
-                </a:solidFill>
-                <a:effectLst/>
-                <a:latin typeface="Arial" panose="020B0604020202020204" pitchFamily="34" charset="0"/>
-              </a:rPr>
-              <a:t>df</a:t>
-            </a:r>
-            <a:r>
-              <a:rPr kumimoji="0" lang="en-US" altLang="en-US" sz="1000" b="0" i="0" u="none" strike="noStrike" cap="none" normalizeH="0" baseline="0" dirty="0">
-                <a:ln>
-                  <a:noFill/>
-                </a:ln>
-                <a:solidFill>
-                  <a:schemeClr val="tx1"/>
-                </a:solidFill>
-                <a:effectLst/>
-                <a:latin typeface="Roboto Mono"/>
-              </a:rPr>
-              <a:t>[</a:t>
-            </a:r>
-            <a:r>
-              <a:rPr kumimoji="0" lang="en-US" altLang="en-US" sz="1000" b="0" i="0" u="none" strike="noStrike" cap="none" normalizeH="0" baseline="0" dirty="0">
-                <a:ln>
-                  <a:noFill/>
-                </a:ln>
-                <a:solidFill>
-                  <a:srgbClr val="BB2323"/>
-                </a:solidFill>
-                <a:effectLst/>
-                <a:latin typeface="Roboto Mono"/>
-              </a:rPr>
-              <a:t>'price'</a:t>
-            </a:r>
-            <a:r>
-              <a:rPr kumimoji="0" lang="en-US" altLang="en-US" sz="1000" b="0" i="0" u="none" strike="noStrike" cap="none" normalizeH="0" baseline="0" dirty="0">
-                <a:ln>
-                  <a:noFill/>
-                </a:ln>
-                <a:solidFill>
-                  <a:schemeClr val="tx1"/>
-                </a:solidFill>
-                <a:effectLst/>
-                <a:latin typeface="Roboto Mono"/>
-              </a:rPr>
-              <a:t>]</a:t>
-            </a:r>
-            <a:r>
-              <a:rPr kumimoji="0" lang="en-US" altLang="en-US" sz="1800" b="0" i="0" u="none" strike="noStrike" cap="none" normalizeH="0" baseline="0" dirty="0">
-                <a:ln>
-                  <a:noFill/>
-                </a:ln>
-                <a:solidFill>
-                  <a:srgbClr val="055BE0"/>
-                </a:solidFill>
-                <a:effectLst/>
-                <a:latin typeface="Arial" panose="020B0604020202020204" pitchFamily="34" charset="0"/>
-              </a:rPr>
-              <a:t>&gt;</a:t>
-            </a:r>
-            <a:r>
-              <a:rPr kumimoji="0" lang="en-US" altLang="en-US" sz="1000" b="0" i="0" u="none" strike="noStrike" cap="none" normalizeH="0" baseline="0" dirty="0">
-                <a:ln>
-                  <a:noFill/>
-                </a:ln>
-                <a:solidFill>
-                  <a:srgbClr val="666666"/>
-                </a:solidFill>
-                <a:effectLst/>
-                <a:latin typeface="Roboto Mono"/>
-              </a:rPr>
-              <a:t>40</a:t>
-            </a:r>
-            <a:r>
-              <a:rPr kumimoji="0" lang="en-US" altLang="en-US" sz="1000" b="0" i="0" u="none" strike="noStrike" cap="none" normalizeH="0" baseline="0" dirty="0">
-                <a:ln>
-                  <a:noFill/>
-                </a:ln>
-                <a:solidFill>
-                  <a:schemeClr val="tx1"/>
-                </a:solidFill>
-                <a:effectLst/>
-                <a:latin typeface="Roboto Mono"/>
-              </a:rPr>
-              <a:t>)][</a:t>
-            </a:r>
-            <a:r>
-              <a:rPr kumimoji="0" lang="en-US" altLang="en-US" sz="1000" b="0" i="0" u="none" strike="noStrike" cap="none" normalizeH="0" baseline="0" dirty="0">
-                <a:ln>
-                  <a:noFill/>
-                </a:ln>
-                <a:solidFill>
-                  <a:srgbClr val="BB2323"/>
-                </a:solidFill>
-                <a:effectLst/>
-                <a:latin typeface="Roboto Mono"/>
-              </a:rPr>
-              <a:t>'price'</a:t>
-            </a:r>
-            <a:r>
-              <a:rPr kumimoji="0" lang="en-US" altLang="en-US" sz="1000" b="0" i="0" u="none" strike="noStrike" cap="none" normalizeH="0" baseline="0" dirty="0">
-                <a:ln>
-                  <a:noFill/>
-                </a:ln>
-                <a:solidFill>
-                  <a:schemeClr val="tx1"/>
-                </a:solidFill>
-                <a:effectLst/>
-                <a:latin typeface="Roboto Mono"/>
-              </a:rPr>
-              <a:t>],</a:t>
-            </a:r>
-            <a:r>
-              <a:rPr kumimoji="0" lang="en-US" altLang="en-US" sz="1200" b="0" i="0" u="none" strike="noStrike" cap="none" normalizeH="0" baseline="0" dirty="0" err="1">
-                <a:ln>
-                  <a:noFill/>
-                </a:ln>
-                <a:solidFill>
-                  <a:schemeClr val="tx1"/>
-                </a:solidFill>
-                <a:effectLst/>
-                <a:latin typeface="Arial" panose="020B0604020202020204" pitchFamily="34" charset="0"/>
-              </a:rPr>
-              <a:t>kde</a:t>
-            </a:r>
-            <a:r>
-              <a:rPr kumimoji="0" lang="en-US" altLang="en-US" sz="1800" b="0" i="0" u="none" strike="noStrike" cap="none" normalizeH="0" baseline="0" dirty="0">
-                <a:ln>
-                  <a:noFill/>
-                </a:ln>
-                <a:solidFill>
-                  <a:srgbClr val="055BE0"/>
-                </a:solidFill>
-                <a:effectLst/>
-                <a:latin typeface="Arial" panose="020B0604020202020204" pitchFamily="34" charset="0"/>
-              </a:rPr>
-              <a:t>=</a:t>
-            </a:r>
-            <a:r>
-              <a:rPr kumimoji="0" lang="en-US" altLang="en-US" sz="1000" b="0" i="0" u="none" strike="noStrike" cap="none" normalizeH="0" baseline="0" dirty="0" err="1">
-                <a:ln>
-                  <a:noFill/>
-                </a:ln>
-                <a:solidFill>
-                  <a:srgbClr val="3D7E7E"/>
-                </a:solidFill>
-                <a:effectLst/>
-                <a:latin typeface="Roboto Mono"/>
-              </a:rPr>
-              <a:t>False</a:t>
-            </a:r>
-            <a:r>
-              <a:rPr kumimoji="0" lang="en-US" altLang="en-US" sz="1000" b="0" i="0" u="none" strike="noStrike" cap="none" normalizeH="0" baseline="0" dirty="0" err="1">
-                <a:ln>
-                  <a:noFill/>
-                </a:ln>
-                <a:solidFill>
-                  <a:schemeClr val="tx1"/>
-                </a:solidFill>
-                <a:effectLst/>
-                <a:latin typeface="Roboto Mono"/>
-              </a:rPr>
-              <a:t>,</a:t>
-            </a:r>
-            <a:r>
-              <a:rPr kumimoji="0" lang="en-US" altLang="en-US" sz="1200" b="0" i="0" u="none" strike="noStrike" cap="none" normalizeH="0" baseline="0" dirty="0" err="1">
-                <a:ln>
-                  <a:noFill/>
-                </a:ln>
-                <a:solidFill>
-                  <a:schemeClr val="tx1"/>
-                </a:solidFill>
-                <a:effectLst/>
-                <a:latin typeface="Arial" panose="020B0604020202020204" pitchFamily="34" charset="0"/>
-              </a:rPr>
-              <a:t>bins</a:t>
-            </a:r>
-            <a:r>
-              <a:rPr kumimoji="0" lang="en-US" altLang="en-US" sz="1800" b="0" i="0" u="none" strike="noStrike" cap="none" normalizeH="0" baseline="0" dirty="0">
-                <a:ln>
-                  <a:noFill/>
-                </a:ln>
-                <a:solidFill>
-                  <a:srgbClr val="055BE0"/>
-                </a:solidFill>
-                <a:effectLst/>
-                <a:latin typeface="Arial" panose="020B0604020202020204" pitchFamily="34" charset="0"/>
-              </a:rPr>
-              <a:t>=</a:t>
-            </a:r>
-            <a:r>
-              <a:rPr kumimoji="0" lang="en-US" altLang="en-US" sz="1000" b="0" i="0" u="none" strike="noStrike" cap="none" normalizeH="0" baseline="0" dirty="0">
-                <a:ln>
-                  <a:noFill/>
-                </a:ln>
-                <a:solidFill>
-                  <a:srgbClr val="666666"/>
-                </a:solidFill>
-                <a:effectLst/>
-                <a:latin typeface="Roboto Mono"/>
-              </a:rPr>
-              <a:t>10</a:t>
-            </a:r>
-            <a:r>
-              <a:rPr kumimoji="0" lang="en-US" altLang="en-US" sz="1000" b="0" i="0" u="none" strike="noStrike" cap="none" normalizeH="0" baseline="0" dirty="0">
-                <a:ln>
-                  <a:noFill/>
-                </a:ln>
-                <a:solidFill>
-                  <a:schemeClr val="tx1"/>
-                </a:solidFill>
-                <a:effectLst/>
-                <a:latin typeface="Roboto Mono"/>
-              </a:rPr>
-              <a:t>)</a:t>
-            </a:r>
-            <a:r>
-              <a:rPr kumimoji="0" lang="en-US" altLang="en-US" sz="900" b="0" i="0" u="none" strike="noStrike" cap="none" normalizeH="0" baseline="0" dirty="0">
-                <a:ln>
-                  <a:noFill/>
-                </a:ln>
-                <a:solidFill>
-                  <a:schemeClr val="tx1"/>
-                </a:solidFill>
-                <a:effectLst/>
-              </a:rPr>
-              <a:t> </a:t>
-            </a:r>
-            <a:endParaRPr kumimoji="0" lang="en-US" altLang="en-US" sz="1200" b="0" i="0" u="none" strike="noStrike" cap="none" normalizeH="0" baseline="0" dirty="0">
-              <a:ln>
-                <a:noFill/>
-              </a:ln>
-              <a:solidFill>
-                <a:schemeClr val="tx1"/>
-              </a:solidFill>
-              <a:effectLst/>
-              <a:latin typeface="Arial" panose="020B0604020202020204" pitchFamily="34" charset="0"/>
-            </a:endParaRPr>
-          </a:p>
-        </p:txBody>
-      </p:sp>
-      <p:pic>
-        <p:nvPicPr>
-          <p:cNvPr id="10" name="Picture 9">
-            <a:extLst>
-              <a:ext uri="{FF2B5EF4-FFF2-40B4-BE49-F238E27FC236}">
-                <a16:creationId xmlns:a16="http://schemas.microsoft.com/office/drawing/2014/main" id="{B560C4B0-56DA-4DE3-91B8-F31B60FDB0FC}"/>
-              </a:ext>
-            </a:extLst>
-          </p:cNvPr>
-          <p:cNvPicPr>
-            <a:picLocks noChangeAspect="1"/>
-          </p:cNvPicPr>
-          <p:nvPr/>
-        </p:nvPicPr>
-        <p:blipFill>
-          <a:blip r:embed="rId3"/>
-          <a:stretch>
-            <a:fillRect/>
-          </a:stretch>
-        </p:blipFill>
-        <p:spPr>
-          <a:xfrm>
-            <a:off x="5913393" y="4836682"/>
-            <a:ext cx="1701352" cy="523594"/>
-          </a:xfrm>
-          <a:prstGeom prst="rect">
-            <a:avLst/>
-          </a:prstGeom>
-        </p:spPr>
-      </p:pic>
+            <a:endParaRPr lang="en-US"/>
+          </a:p>
+        </p:txBody>
+      </p:sp>
     </p:spTree>
     <p:extLst>
       <p:ext uri="{BB962C8B-B14F-4D97-AF65-F5344CB8AC3E}">
-        <p14:creationId xmlns:p14="http://schemas.microsoft.com/office/powerpoint/2010/main" val="4255513534"/>
+        <p14:creationId xmlns:p14="http://schemas.microsoft.com/office/powerpoint/2010/main" val="4063485467"/>
       </p:ext>
     </p:extLst>
   </p:cSld>
@@ -5098,7 +4150,7 @@
           <p:cNvPr id="2" name="Title 1">
             <a:extLst>
               <a:ext uri="{FF2B5EF4-FFF2-40B4-BE49-F238E27FC236}">
-                <a16:creationId xmlns:a16="http://schemas.microsoft.com/office/drawing/2014/main" id="{C47ED59C-6253-485B-B646-F1C9B36EE52B}"/>
+                <a16:creationId xmlns:a16="http://schemas.microsoft.com/office/drawing/2014/main" id="{5371FDFC-6BC0-40C8-A6E3-8B686710CA5B}"/>
               </a:ext>
             </a:extLst>
           </p:cNvPr>
@@ -5111,15 +4163,10 @@
         </p:nvSpPr>
         <p:spPr/>
         <p:txBody>
-          <a:bodyPr>
-            <a:normAutofit/>
-          </a:bodyPr>
-          <a:lstStyle/>
-          <a:p>
-            <a:r>
-              <a:rPr lang="en-US" dirty="0"/>
-              <a:t>Price prediction</a:t>
-            </a:r>
+          <a:bodyPr/>
+          <a:lstStyle/>
+          <a:p>
+            <a:endParaRPr lang="en-US"/>
           </a:p>
         </p:txBody>
       </p:sp>
@@ -5128,7 +4175,7 @@
           <p:cNvPr id="3" name="Content Placeholder 2">
             <a:extLst>
               <a:ext uri="{FF2B5EF4-FFF2-40B4-BE49-F238E27FC236}">
-                <a16:creationId xmlns:a16="http://schemas.microsoft.com/office/drawing/2014/main" id="{C7F4F40E-03A2-4579-A747-87460E7A3F6D}"/>
+                <a16:creationId xmlns:a16="http://schemas.microsoft.com/office/drawing/2014/main" id="{50D2B360-EB5D-4AD7-AE28-4887D4D9B5D0}"/>
               </a:ext>
             </a:extLst>
           </p:cNvPr>
@@ -5144,58 +4191,14 @@
           <a:bodyPr/>
           <a:lstStyle/>
           <a:p>
-            <a:r>
-              <a:rPr lang="en-US" b="0" i="0" dirty="0">
-                <a:effectLst/>
-                <a:latin typeface="Inter"/>
-              </a:rPr>
-              <a:t>Now the price values are much more evenly distributed and hence we can get fair predictions from our model</a:t>
-            </a:r>
-          </a:p>
-          <a:p>
-            <a:endParaRPr lang="en-US" dirty="0">
-              <a:latin typeface="Inter"/>
-            </a:endParaRPr>
-          </a:p>
-          <a:p>
-            <a:endParaRPr lang="en-US" dirty="0"/>
-          </a:p>
-        </p:txBody>
-      </p:sp>
-      <p:pic>
-        <p:nvPicPr>
-          <p:cNvPr id="9" name="Picture 8">
-            <a:extLst>
-              <a:ext uri="{FF2B5EF4-FFF2-40B4-BE49-F238E27FC236}">
-                <a16:creationId xmlns:a16="http://schemas.microsoft.com/office/drawing/2014/main" id="{3D6E43A6-2841-4AD8-BCC8-6DE22418BDA8}"/>
-              </a:ext>
-            </a:extLst>
-          </p:cNvPr>
-          <p:cNvPicPr>
-            <a:picLocks noChangeAspect="1"/>
-          </p:cNvPicPr>
-          <p:nvPr/>
-        </p:nvPicPr>
-        <p:blipFill>
-          <a:blip r:embed="rId2"/>
-          <a:stretch>
-            <a:fillRect/>
-          </a:stretch>
-        </p:blipFill>
-        <p:spPr>
-          <a:xfrm>
-            <a:off x="1499037" y="3332942"/>
-            <a:ext cx="5258534" cy="2067213"/>
-          </a:xfrm>
-          <a:prstGeom prst="rect">
-            <a:avLst/>
-          </a:prstGeom>
-        </p:spPr>
-      </p:pic>
+            <a:endParaRPr lang="en-US"/>
+          </a:p>
+        </p:txBody>
+      </p:sp>
     </p:spTree>
     <p:extLst>
       <p:ext uri="{BB962C8B-B14F-4D97-AF65-F5344CB8AC3E}">
-        <p14:creationId xmlns:p14="http://schemas.microsoft.com/office/powerpoint/2010/main" val="1357219156"/>
+        <p14:creationId xmlns:p14="http://schemas.microsoft.com/office/powerpoint/2010/main" val="1377716964"/>
       </p:ext>
     </p:extLst>
   </p:cSld>
